--- a/powerpoints/bims_planing.pptx
+++ b/powerpoints/bims_planing.pptx
@@ -3330,9 +3330,9 @@
           <a:lstStyle/>
           <a:p>
             <a:r>
-              <a:rPr lang="fr-FR" sz="1800" b="0" i="0" u="none" strike="noStrike" dirty="0">
+              <a:rPr lang="fr-FR" sz="1800" b="1" i="0" u="none" strike="noStrike" dirty="0">
                 <a:solidFill>
-                  <a:srgbClr val="000000"/>
+                  <a:schemeClr val="bg1"/>
                 </a:solidFill>
                 <a:effectLst/>
                 <a:latin typeface="Consolas" panose="020B0609020204030204" pitchFamily="49" charset="0"/>
@@ -3480,9 +3480,9 @@
           <a:lstStyle/>
           <a:p>
             <a:r>
-              <a:rPr lang="fr-FR" sz="1800" b="0" i="0" u="none" strike="noStrike" dirty="0">
+              <a:rPr lang="fr-FR" sz="1800" b="1" i="0" u="none" strike="noStrike" dirty="0">
                 <a:solidFill>
-                  <a:srgbClr val="000000"/>
+                  <a:schemeClr val="bg1"/>
                 </a:solidFill>
                 <a:effectLst/>
                 <a:latin typeface="Consolas" panose="020B0609020204030204" pitchFamily="49" charset="0"/>
@@ -3536,9 +3536,9 @@
           <a:lstStyle/>
           <a:p>
             <a:r>
-              <a:rPr lang="fr-FR" dirty="0">
+              <a:rPr lang="fr-FR" b="1" dirty="0">
                 <a:solidFill>
-                  <a:srgbClr val="000000"/>
+                  <a:schemeClr val="bg1"/>
                 </a:solidFill>
                 <a:latin typeface="Consolas" panose="020B0609020204030204" pitchFamily="49" charset="0"/>
               </a:rPr>
@@ -3591,9 +3591,9 @@
           <a:lstStyle/>
           <a:p>
             <a:r>
-              <a:rPr lang="fr-FR" sz="1800" b="0" i="0" u="none" strike="noStrike" dirty="0">
+              <a:rPr lang="fr-FR" sz="1800" b="1" i="0" u="none" strike="noStrike" dirty="0">
                 <a:solidFill>
-                  <a:srgbClr val="000000"/>
+                  <a:schemeClr val="bg1"/>
                 </a:solidFill>
                 <a:effectLst/>
                 <a:latin typeface="Consolas" panose="020B0609020204030204" pitchFamily="49" charset="0"/>
@@ -3647,9 +3647,9 @@
           <a:lstStyle/>
           <a:p>
             <a:r>
-              <a:rPr lang="fr-FR" dirty="0">
+              <a:rPr lang="fr-FR" b="1" dirty="0">
                 <a:solidFill>
-                  <a:srgbClr val="000000"/>
+                  <a:schemeClr val="bg1"/>
                 </a:solidFill>
                 <a:latin typeface="Consolas" panose="020B0609020204030204" pitchFamily="49" charset="0"/>
               </a:rPr>
@@ -3702,9 +3702,9 @@
           <a:lstStyle/>
           <a:p>
             <a:r>
-              <a:rPr lang="fr-FR" dirty="0">
+              <a:rPr lang="fr-FR" b="1" dirty="0">
                 <a:solidFill>
-                  <a:srgbClr val="000000"/>
+                  <a:schemeClr val="bg1"/>
                 </a:solidFill>
                 <a:latin typeface="Consolas" panose="020B0609020204030204" pitchFamily="49" charset="0"/>
               </a:rPr>
@@ -3757,9 +3757,9 @@
           <a:lstStyle/>
           <a:p>
             <a:r>
-              <a:rPr lang="fr-FR" dirty="0">
+              <a:rPr lang="fr-FR" b="1" dirty="0">
                 <a:solidFill>
-                  <a:srgbClr val="000000"/>
+                  <a:schemeClr val="bg1"/>
                 </a:solidFill>
                 <a:latin typeface="Consolas" panose="020B0609020204030204" pitchFamily="49" charset="0"/>
               </a:rPr>
@@ -3812,9 +3812,9 @@
           <a:lstStyle/>
           <a:p>
             <a:r>
-              <a:rPr lang="fr-FR" sz="1800" b="0" i="0" u="none" strike="noStrike" dirty="0">
+              <a:rPr lang="fr-FR" sz="1800" b="1" i="0" u="none" strike="noStrike" dirty="0">
                 <a:solidFill>
-                  <a:srgbClr val="000000"/>
+                  <a:schemeClr val="bg1"/>
                 </a:solidFill>
                 <a:effectLst/>
                 <a:latin typeface="Consolas" panose="020B0609020204030204" pitchFamily="49" charset="0"/>
@@ -3868,9 +3868,9 @@
           <a:lstStyle/>
           <a:p>
             <a:r>
-              <a:rPr lang="fr-FR" dirty="0">
+              <a:rPr lang="fr-FR" b="1" dirty="0">
                 <a:solidFill>
-                  <a:srgbClr val="000000"/>
+                  <a:schemeClr val="bg1"/>
                 </a:solidFill>
                 <a:latin typeface="Consolas" panose="020B0609020204030204" pitchFamily="49" charset="0"/>
               </a:rPr>
@@ -3923,9 +3923,9 @@
           <a:lstStyle/>
           <a:p>
             <a:r>
-              <a:rPr lang="fr-FR" dirty="0">
+              <a:rPr lang="fr-FR" b="1" dirty="0">
                 <a:solidFill>
-                  <a:srgbClr val="000000"/>
+                  <a:schemeClr val="bg1"/>
                 </a:solidFill>
                 <a:latin typeface="Consolas" panose="020B0609020204030204" pitchFamily="49" charset="0"/>
               </a:rPr>
@@ -4208,9 +4208,9 @@
           <a:lstStyle/>
           <a:p>
             <a:r>
-              <a:rPr lang="fr-FR" dirty="0">
+              <a:rPr lang="fr-FR" b="1" dirty="0">
                 <a:solidFill>
-                  <a:srgbClr val="000000"/>
+                  <a:schemeClr val="bg1"/>
                 </a:solidFill>
                 <a:latin typeface="Consolas" panose="020B0609020204030204" pitchFamily="49" charset="0"/>
               </a:rPr>
@@ -4905,13 +4905,22 @@
           <a:lstStyle/>
           <a:p>
             <a:r>
-              <a:rPr lang="fr-FR" dirty="0">
+              <a:rPr lang="fr-FR" b="1" dirty="0" err="1">
                 <a:solidFill>
-                  <a:srgbClr val="000000"/>
+                  <a:schemeClr val="bg1"/>
                 </a:solidFill>
                 <a:latin typeface="Consolas" panose="020B0609020204030204" pitchFamily="49" charset="0"/>
               </a:rPr>
-              <a:t>Veux de bienvenue HD</a:t>
+              <a:t>Voeux</a:t>
+            </a:r>
+            <a:r>
+              <a:rPr lang="fr-FR" b="1" dirty="0">
+                <a:solidFill>
+                  <a:schemeClr val="bg1"/>
+                </a:solidFill>
+                <a:latin typeface="Consolas" panose="020B0609020204030204" pitchFamily="49" charset="0"/>
+              </a:rPr>
+              <a:t> de bienvenue HD</a:t>
             </a:r>
             <a:endParaRPr lang="fr-FR" sz="1600" b="1" dirty="0">
               <a:solidFill>
